--- a/assets/title-page/tp-template.pptx
+++ b/assets/title-page/tp-template.pptx
@@ -3675,8 +3675,8 @@
         </p:nvSpPr>
         <p:spPr>
           <a:xfrm>
-            <a:off x="327483" y="1031631"/>
-            <a:ext cx="4624984" cy="2123658"/>
+            <a:off x="327483" y="1032484"/>
+            <a:ext cx="4626588" cy="1938992"/>
           </a:xfrm>
           <a:prstGeom prst="rect">
             <a:avLst/>
@@ -3690,7 +3690,7 @@
           <a:lstStyle/>
           <a:p>
             <a:r>
-              <a:rPr lang="en-US" sz="6500" b="1" dirty="0" err="1">
+              <a:rPr lang="en-US" sz="6000" b="1" dirty="0" err="1">
                 <a:solidFill>
                   <a:srgbClr val="292929"/>
                 </a:solidFill>
@@ -3698,10 +3698,10 @@
                 <a:ea typeface="Menlo" panose="020B0609030804020204" pitchFamily="49" charset="0"/>
                 <a:cs typeface="Kohinoor Telugu" panose="02000000000000000000" pitchFamily="2" charset="0"/>
               </a:rPr>
-              <a:t>pandoc</a:t>
-            </a:r>
-            <a:r>
-              <a:rPr lang="en-US" sz="6500" b="1" dirty="0">
+              <a:t>powerpoint</a:t>
+            </a:r>
+            <a:r>
+              <a:rPr lang="en-US" sz="6000" b="1" dirty="0">
                 <a:solidFill>
                   <a:srgbClr val="292929"/>
                 </a:solidFill>
@@ -3709,12 +3709,12 @@
                 <a:ea typeface="Menlo" panose="020B0609030804020204" pitchFamily="49" charset="0"/>
                 <a:cs typeface="Kohinoor Telugu" panose="02000000000000000000" pitchFamily="2" charset="0"/>
               </a:rPr>
-              <a:t> – </a:t>
-            </a:r>
-          </a:p>
-          <a:p>
-            <a:r>
-              <a:rPr lang="en-US" sz="6500" b="1" dirty="0">
+              <a:t> </a:t>
+            </a:r>
+          </a:p>
+          <a:p>
+            <a:r>
+              <a:rPr lang="en-US" sz="6000" b="1" dirty="0">
                 <a:solidFill>
                   <a:srgbClr val="292929"/>
                 </a:solidFill>
@@ -3722,9 +3722,9 @@
                 <a:ea typeface="Menlo" panose="020B0609030804020204" pitchFamily="49" charset="0"/>
                 <a:cs typeface="Kohinoor Telugu" panose="02000000000000000000" pitchFamily="2" charset="0"/>
               </a:rPr>
-              <a:t>markdown.</a:t>
-            </a:r>
-            <a:endParaRPr lang="ru-RU" sz="6500" b="1" dirty="0">
+              <a:t>tutorial.</a:t>
+            </a:r>
+            <a:endParaRPr lang="ru-RU" sz="6000" b="1" dirty="0">
               <a:solidFill>
                 <a:srgbClr val="292929"/>
               </a:solidFill>
@@ -3836,7 +3836,7 @@
         <p:spPr>
           <a:xfrm>
             <a:off x="4952467" y="6285752"/>
-            <a:ext cx="2363147" cy="1015663"/>
+            <a:ext cx="1782860" cy="1015663"/>
           </a:xfrm>
           <a:prstGeom prst="rect">
             <a:avLst/>
@@ -3850,22 +3850,22 @@
           <a:lstStyle/>
           <a:p>
             <a:r>
+              <a:rPr lang="ru-RU" sz="2000" dirty="0">
+                <a:solidFill>
+                  <a:srgbClr val="292929"/>
+                </a:solidFill>
+                <a:latin typeface="Ubuntu Light" panose="020B0304030602030204" pitchFamily="34" charset="0"/>
+              </a:rPr>
+              <a:t>Ш</a:t>
+            </a:r>
+            <a:r>
               <a:rPr lang="en-US" sz="2000" dirty="0">
                 <a:solidFill>
                   <a:srgbClr val="292929"/>
                 </a:solidFill>
                 <a:latin typeface="Ubuntu Light" panose="020B0304030602030204" pitchFamily="34" charset="0"/>
               </a:rPr>
-              <a:t>G R </a:t>
-            </a:r>
-            <a:r>
-              <a:rPr lang="en" sz="2000" dirty="0">
-                <a:solidFill>
-                  <a:srgbClr val="292929"/>
-                </a:solidFill>
-                <a:latin typeface="Ubuntu Light" panose="020B0304030602030204" pitchFamily="34" charset="0"/>
-              </a:rPr>
-              <a:t>E</a:t>
+              <a:t> </a:t>
             </a:r>
             <a:r>
               <a:rPr lang="ru-RU" sz="2000" dirty="0">
@@ -3874,41 +3874,35 @@
                 </a:solidFill>
                 <a:latin typeface="Ubuntu Light" panose="020B0304030602030204" pitchFamily="34" charset="0"/>
               </a:rPr>
-              <a:t> </a:t>
-            </a:r>
-            <a:r>
-              <a:rPr lang="en-US" sz="2000" dirty="0">
+              <a:t>К О Л А</a:t>
+            </a:r>
+            <a:endParaRPr lang="en" sz="2000" dirty="0">
+              <a:solidFill>
+                <a:srgbClr val="292929"/>
+              </a:solidFill>
+              <a:latin typeface="Ubuntu Light" panose="020B0304030602030204" pitchFamily="34" charset="0"/>
+            </a:endParaRPr>
+          </a:p>
+          <a:p>
+            <a:r>
+              <a:rPr lang="ru-RU" sz="2000" dirty="0">
                 <a:solidFill>
                   <a:srgbClr val="292929"/>
                 </a:solidFill>
                 <a:latin typeface="Ubuntu Light" panose="020B0304030602030204" pitchFamily="34" charset="0"/>
               </a:rPr>
-              <a:t>G O </a:t>
-            </a:r>
-            <a:r>
-              <a:rPr lang="en" sz="2000" dirty="0">
-                <a:solidFill>
-                  <a:srgbClr val="292929"/>
-                </a:solidFill>
-                <a:latin typeface="Ubuntu Light" panose="020B0304030602030204" pitchFamily="34" charset="0"/>
-              </a:rPr>
-              <a:t>R Y</a:t>
-            </a:r>
-          </a:p>
-          <a:p>
-            <a:r>
-              <a:rPr lang="en" sz="2000" dirty="0">
-                <a:solidFill>
-                  <a:srgbClr val="292929"/>
-                </a:solidFill>
-                <a:latin typeface="Ubuntu Light" panose="020B0304030602030204" pitchFamily="34" charset="0"/>
-              </a:rPr>
-              <a:t>K O G A N O V S K Y</a:t>
-            </a:r>
-          </a:p>
-          <a:p>
-            <a:r>
-              <a:rPr lang="en" sz="2000" dirty="0">
+              <a:t>В О Ж А Т Ы Х</a:t>
+            </a:r>
+            <a:endParaRPr lang="en" sz="2000" dirty="0">
+              <a:solidFill>
+                <a:srgbClr val="292929"/>
+              </a:solidFill>
+              <a:latin typeface="Ubuntu Light" panose="020B0304030602030204" pitchFamily="34" charset="0"/>
+            </a:endParaRPr>
+          </a:p>
+          <a:p>
+            <a:r>
+              <a:rPr lang="ru-RU" sz="2000" dirty="0">
                 <a:solidFill>
                   <a:srgbClr val="292929"/>
                 </a:solidFill>
@@ -3916,12 +3910,6 @@
               </a:rPr>
               <a:t>2024</a:t>
             </a:r>
-            <a:endParaRPr lang="ru-RU" sz="2000" dirty="0">
-              <a:solidFill>
-                <a:srgbClr val="292929"/>
-              </a:solidFill>
-              <a:latin typeface="Ubuntu Light" panose="020B0304030602030204" pitchFamily="34" charset="0"/>
-            </a:endParaRPr>
           </a:p>
         </p:txBody>
       </p:sp>
@@ -3940,7 +3928,7 @@
         <p:spPr>
           <a:xfrm>
             <a:off x="327483" y="9460127"/>
-            <a:ext cx="3102131" cy="400110"/>
+            <a:ext cx="2650084" cy="400110"/>
           </a:xfrm>
           <a:prstGeom prst="rect">
             <a:avLst/>
@@ -3954,20 +3942,14 @@
           <a:lstStyle/>
           <a:p>
             <a:r>
-              <a:rPr lang="en-US" sz="2000" dirty="0">
+              <a:rPr lang="ru-RU" sz="2000" dirty="0">
                 <a:solidFill>
                   <a:srgbClr val="292929"/>
                 </a:solidFill>
                 <a:latin typeface="Ubuntu Medium" panose="020B0504030602030204" pitchFamily="34" charset="0"/>
               </a:rPr>
-              <a:t>TEMPLATE REPOSITORY</a:t>
-            </a:r>
-            <a:endParaRPr lang="ru-RU" sz="2000" dirty="0">
-              <a:solidFill>
-                <a:srgbClr val="292929"/>
-              </a:solidFill>
-              <a:latin typeface="Ubuntu Medium" panose="020B0504030602030204" pitchFamily="34" charset="0"/>
-            </a:endParaRPr>
+              <a:t>КОГАНОВСКИЙ Г.И.</a:t>
+            </a:r>
           </a:p>
         </p:txBody>
       </p:sp>
@@ -4009,80 +3991,6 @@
           <a:chExt cx="0" cy="0"/>
         </a:xfrm>
       </p:grpSpPr>
-      <p:sp>
-        <p:nvSpPr>
-          <p:cNvPr id="12" name="TextBox 11">
-            <a:extLst>
-              <a:ext uri="{FF2B5EF4-FFF2-40B4-BE49-F238E27FC236}">
-                <a16:creationId xmlns:a16="http://schemas.microsoft.com/office/drawing/2014/main" id="{2CAA2C27-0726-A9F9-B59A-049969A89E62}"/>
-              </a:ext>
-            </a:extLst>
-          </p:cNvPr>
-          <p:cNvSpPr txBox="1"/>
-          <p:nvPr/>
-        </p:nvSpPr>
-        <p:spPr>
-          <a:xfrm>
-            <a:off x="327483" y="1031631"/>
-            <a:ext cx="4624984" cy="2123658"/>
-          </a:xfrm>
-          <a:prstGeom prst="rect">
-            <a:avLst/>
-          </a:prstGeom>
-          <a:noFill/>
-        </p:spPr>
-        <p:txBody>
-          <a:bodyPr wrap="none" rtlCol="0">
-            <a:spAutoFit/>
-          </a:bodyPr>
-          <a:lstStyle/>
-          <a:p>
-            <a:r>
-              <a:rPr lang="en-US" sz="6500" b="1" dirty="0" err="1">
-                <a:solidFill>
-                  <a:srgbClr val="E5E2DE"/>
-                </a:solidFill>
-                <a:latin typeface="Ubuntu" panose="020B0504030602030204" pitchFamily="34" charset="0"/>
-                <a:ea typeface="Menlo" panose="020B0609030804020204" pitchFamily="49" charset="0"/>
-                <a:cs typeface="Kohinoor Telugu" panose="02000000000000000000" pitchFamily="2" charset="0"/>
-              </a:rPr>
-              <a:t>pandoc</a:t>
-            </a:r>
-            <a:r>
-              <a:rPr lang="en-US" sz="6500" b="1" dirty="0">
-                <a:solidFill>
-                  <a:srgbClr val="E5E2DE"/>
-                </a:solidFill>
-                <a:latin typeface="Ubuntu" panose="020B0504030602030204" pitchFamily="34" charset="0"/>
-                <a:ea typeface="Menlo" panose="020B0609030804020204" pitchFamily="49" charset="0"/>
-                <a:cs typeface="Kohinoor Telugu" panose="02000000000000000000" pitchFamily="2" charset="0"/>
-              </a:rPr>
-              <a:t> – </a:t>
-            </a:r>
-          </a:p>
-          <a:p>
-            <a:r>
-              <a:rPr lang="en-US" sz="6500" b="1" dirty="0">
-                <a:solidFill>
-                  <a:srgbClr val="E5E2DE"/>
-                </a:solidFill>
-                <a:latin typeface="Ubuntu" panose="020B0504030602030204" pitchFamily="34" charset="0"/>
-                <a:ea typeface="Menlo" panose="020B0609030804020204" pitchFamily="49" charset="0"/>
-                <a:cs typeface="Kohinoor Telugu" panose="02000000000000000000" pitchFamily="2" charset="0"/>
-              </a:rPr>
-              <a:t>markdown.</a:t>
-            </a:r>
-            <a:endParaRPr lang="ru-RU" sz="6500" b="1" dirty="0">
-              <a:solidFill>
-                <a:srgbClr val="E5E2DE"/>
-              </a:solidFill>
-              <a:latin typeface="Ubuntu" panose="020B0504030602030204" pitchFamily="34" charset="0"/>
-              <a:ea typeface="Menlo" panose="020B0609030804020204" pitchFamily="49" charset="0"/>
-              <a:cs typeface="Kohinoor Telugu" panose="02000000000000000000" pitchFamily="2" charset="0"/>
-            </a:endParaRPr>
-          </a:p>
-        </p:txBody>
-      </p:sp>
       <p:cxnSp>
         <p:nvCxnSpPr>
           <p:cNvPr id="3" name="Прямая соединительная линия 2">
@@ -4171,10 +4079,10 @@
       </p:cxnSp>
       <p:sp>
         <p:nvSpPr>
-          <p:cNvPr id="9" name="TextBox 8">
+          <p:cNvPr id="17" name="TextBox 16">
             <a:extLst>
               <a:ext uri="{FF2B5EF4-FFF2-40B4-BE49-F238E27FC236}">
-                <a16:creationId xmlns:a16="http://schemas.microsoft.com/office/drawing/2014/main" id="{2152C182-061C-3DB9-8295-DC312C5A3EDB}"/>
+                <a16:creationId xmlns:a16="http://schemas.microsoft.com/office/drawing/2014/main" id="{29D0719C-AD2C-E862-8966-485C35F85143}"/>
               </a:ext>
             </a:extLst>
           </p:cNvPr>
@@ -4183,8 +4091,8 @@
         </p:nvSpPr>
         <p:spPr>
           <a:xfrm>
-            <a:off x="4952467" y="6285752"/>
-            <a:ext cx="2363147" cy="1015663"/>
+            <a:off x="327483" y="1032484"/>
+            <a:ext cx="4626588" cy="1938992"/>
           </a:xfrm>
           <a:prstGeom prst="rect">
             <a:avLst/>
@@ -4198,22 +4106,96 @@
           <a:lstStyle/>
           <a:p>
             <a:r>
+              <a:rPr lang="en-US" sz="6000" b="1" dirty="0" err="1">
+                <a:solidFill>
+                  <a:srgbClr val="E5E2DE"/>
+                </a:solidFill>
+                <a:latin typeface="Ubuntu" panose="020B0504030602030204" pitchFamily="34" charset="0"/>
+                <a:ea typeface="Menlo" panose="020B0609030804020204" pitchFamily="49" charset="0"/>
+                <a:cs typeface="Kohinoor Telugu" panose="02000000000000000000" pitchFamily="2" charset="0"/>
+              </a:rPr>
+              <a:t>powerpoint</a:t>
+            </a:r>
+            <a:r>
+              <a:rPr lang="en-US" sz="6000" b="1" dirty="0">
+                <a:solidFill>
+                  <a:srgbClr val="E5E2DE"/>
+                </a:solidFill>
+                <a:latin typeface="Ubuntu" panose="020B0504030602030204" pitchFamily="34" charset="0"/>
+                <a:ea typeface="Menlo" panose="020B0609030804020204" pitchFamily="49" charset="0"/>
+                <a:cs typeface="Kohinoor Telugu" panose="02000000000000000000" pitchFamily="2" charset="0"/>
+              </a:rPr>
+              <a:t> </a:t>
+            </a:r>
+          </a:p>
+          <a:p>
+            <a:r>
+              <a:rPr lang="en-US" sz="6000" b="1" dirty="0">
+                <a:solidFill>
+                  <a:srgbClr val="E5E2DE"/>
+                </a:solidFill>
+                <a:latin typeface="Ubuntu" panose="020B0504030602030204" pitchFamily="34" charset="0"/>
+                <a:ea typeface="Menlo" panose="020B0609030804020204" pitchFamily="49" charset="0"/>
+                <a:cs typeface="Kohinoor Telugu" panose="02000000000000000000" pitchFamily="2" charset="0"/>
+              </a:rPr>
+              <a:t>tutorial.</a:t>
+            </a:r>
+            <a:endParaRPr lang="ru-RU" sz="6000" b="1" dirty="0">
+              <a:solidFill>
+                <a:srgbClr val="E5E2DE"/>
+              </a:solidFill>
+              <a:latin typeface="Ubuntu" panose="020B0504030602030204" pitchFamily="34" charset="0"/>
+              <a:ea typeface="Menlo" panose="020B0609030804020204" pitchFamily="49" charset="0"/>
+              <a:cs typeface="Kohinoor Telugu" panose="02000000000000000000" pitchFamily="2" charset="0"/>
+            </a:endParaRPr>
+          </a:p>
+        </p:txBody>
+      </p:sp>
+      <p:sp>
+        <p:nvSpPr>
+          <p:cNvPr id="18" name="TextBox 17">
+            <a:extLst>
+              <a:ext uri="{FF2B5EF4-FFF2-40B4-BE49-F238E27FC236}">
+                <a16:creationId xmlns:a16="http://schemas.microsoft.com/office/drawing/2014/main" id="{75A3F662-C382-DF20-30A7-975018E7A6F3}"/>
+              </a:ext>
+            </a:extLst>
+          </p:cNvPr>
+          <p:cNvSpPr txBox="1"/>
+          <p:nvPr/>
+        </p:nvSpPr>
+        <p:spPr>
+          <a:xfrm>
+            <a:off x="4952467" y="6285752"/>
+            <a:ext cx="1782860" cy="1015663"/>
+          </a:xfrm>
+          <a:prstGeom prst="rect">
+            <a:avLst/>
+          </a:prstGeom>
+          <a:noFill/>
+        </p:spPr>
+        <p:txBody>
+          <a:bodyPr wrap="none" rtlCol="0">
+            <a:spAutoFit/>
+          </a:bodyPr>
+          <a:lstStyle/>
+          <a:p>
+            <a:r>
+              <a:rPr lang="ru-RU" sz="2000" dirty="0">
+                <a:solidFill>
+                  <a:srgbClr val="E5E2DE"/>
+                </a:solidFill>
+                <a:latin typeface="Ubuntu Light" panose="020B0304030602030204" pitchFamily="34" charset="0"/>
+              </a:rPr>
+              <a:t>Ш</a:t>
+            </a:r>
+            <a:r>
               <a:rPr lang="en-US" sz="2000" dirty="0">
                 <a:solidFill>
                   <a:srgbClr val="E5E2DE"/>
                 </a:solidFill>
                 <a:latin typeface="Ubuntu Light" panose="020B0304030602030204" pitchFamily="34" charset="0"/>
               </a:rPr>
-              <a:t>G R </a:t>
-            </a:r>
-            <a:r>
-              <a:rPr lang="en" sz="2000" dirty="0">
-                <a:solidFill>
-                  <a:srgbClr val="E5E2DE"/>
-                </a:solidFill>
-                <a:latin typeface="Ubuntu Light" panose="020B0304030602030204" pitchFamily="34" charset="0"/>
-              </a:rPr>
-              <a:t>E</a:t>
+              <a:t> </a:t>
             </a:r>
             <a:r>
               <a:rPr lang="ru-RU" sz="2000" dirty="0">
@@ -4222,41 +4204,35 @@
                 </a:solidFill>
                 <a:latin typeface="Ubuntu Light" panose="020B0304030602030204" pitchFamily="34" charset="0"/>
               </a:rPr>
-              <a:t> </a:t>
-            </a:r>
-            <a:r>
-              <a:rPr lang="en-US" sz="2000" dirty="0">
+              <a:t>К О Л А</a:t>
+            </a:r>
+            <a:endParaRPr lang="en" sz="2000" dirty="0">
+              <a:solidFill>
+                <a:srgbClr val="E5E2DE"/>
+              </a:solidFill>
+              <a:latin typeface="Ubuntu Light" panose="020B0304030602030204" pitchFamily="34" charset="0"/>
+            </a:endParaRPr>
+          </a:p>
+          <a:p>
+            <a:r>
+              <a:rPr lang="ru-RU" sz="2000" dirty="0">
                 <a:solidFill>
                   <a:srgbClr val="E5E2DE"/>
                 </a:solidFill>
                 <a:latin typeface="Ubuntu Light" panose="020B0304030602030204" pitchFamily="34" charset="0"/>
               </a:rPr>
-              <a:t>G O </a:t>
-            </a:r>
-            <a:r>
-              <a:rPr lang="en" sz="2000" dirty="0">
-                <a:solidFill>
-                  <a:srgbClr val="E5E2DE"/>
-                </a:solidFill>
-                <a:latin typeface="Ubuntu Light" panose="020B0304030602030204" pitchFamily="34" charset="0"/>
-              </a:rPr>
-              <a:t>R Y</a:t>
-            </a:r>
-          </a:p>
-          <a:p>
-            <a:r>
-              <a:rPr lang="en" sz="2000" dirty="0">
-                <a:solidFill>
-                  <a:srgbClr val="E5E2DE"/>
-                </a:solidFill>
-                <a:latin typeface="Ubuntu Light" panose="020B0304030602030204" pitchFamily="34" charset="0"/>
-              </a:rPr>
-              <a:t>K O G A N O V S K Y</a:t>
-            </a:r>
-          </a:p>
-          <a:p>
-            <a:r>
-              <a:rPr lang="en" sz="2000" dirty="0">
+              <a:t>В О Ж А Т Ы Х</a:t>
+            </a:r>
+            <a:endParaRPr lang="en" sz="2000" dirty="0">
+              <a:solidFill>
+                <a:srgbClr val="E5E2DE"/>
+              </a:solidFill>
+              <a:latin typeface="Ubuntu Light" panose="020B0304030602030204" pitchFamily="34" charset="0"/>
+            </a:endParaRPr>
+          </a:p>
+          <a:p>
+            <a:r>
+              <a:rPr lang="ru-RU" sz="2000" dirty="0">
                 <a:solidFill>
                   <a:srgbClr val="E5E2DE"/>
                 </a:solidFill>
@@ -4264,21 +4240,15 @@
               </a:rPr>
               <a:t>2024</a:t>
             </a:r>
-            <a:endParaRPr lang="ru-RU" sz="2000" dirty="0">
-              <a:solidFill>
-                <a:srgbClr val="E5E2DE"/>
-              </a:solidFill>
-              <a:latin typeface="Ubuntu Light" panose="020B0304030602030204" pitchFamily="34" charset="0"/>
-            </a:endParaRPr>
-          </a:p>
-        </p:txBody>
-      </p:sp>
-      <p:sp>
-        <p:nvSpPr>
-          <p:cNvPr id="11" name="TextBox 10">
+          </a:p>
+        </p:txBody>
+      </p:sp>
+      <p:sp>
+        <p:nvSpPr>
+          <p:cNvPr id="19" name="TextBox 18">
             <a:extLst>
               <a:ext uri="{FF2B5EF4-FFF2-40B4-BE49-F238E27FC236}">
-                <a16:creationId xmlns:a16="http://schemas.microsoft.com/office/drawing/2014/main" id="{1E226DFB-D698-F716-8ED1-B6145ED1DA48}"/>
+                <a16:creationId xmlns:a16="http://schemas.microsoft.com/office/drawing/2014/main" id="{F4E7C2ED-471A-55C4-F810-B5F2C72050E8}"/>
               </a:ext>
             </a:extLst>
           </p:cNvPr>
@@ -4288,7 +4258,7 @@
         <p:spPr>
           <a:xfrm>
             <a:off x="327483" y="9460127"/>
-            <a:ext cx="3102131" cy="400110"/>
+            <a:ext cx="2650084" cy="400110"/>
           </a:xfrm>
           <a:prstGeom prst="rect">
             <a:avLst/>
@@ -4302,20 +4272,14 @@
           <a:lstStyle/>
           <a:p>
             <a:r>
-              <a:rPr lang="en-US" sz="2000" dirty="0">
+              <a:rPr lang="ru-RU" sz="2000" dirty="0">
                 <a:solidFill>
                   <a:srgbClr val="E5E2DE"/>
                 </a:solidFill>
                 <a:latin typeface="Ubuntu Medium" panose="020B0504030602030204" pitchFamily="34" charset="0"/>
               </a:rPr>
-              <a:t>TEMPLATE REPOSITORY</a:t>
-            </a:r>
-            <a:endParaRPr lang="ru-RU" sz="2000" dirty="0">
-              <a:solidFill>
-                <a:srgbClr val="E5E2DE"/>
-              </a:solidFill>
-              <a:latin typeface="Ubuntu Medium" panose="020B0504030602030204" pitchFamily="34" charset="0"/>
-            </a:endParaRPr>
+              <a:t>КОГАНОВСКИЙ Г.И.</a:t>
+            </a:r>
           </a:p>
         </p:txBody>
       </p:sp>

--- a/assets/title-page/tp-template.pptx
+++ b/assets/title-page/tp-template.pptx
@@ -224,7 +224,7 @@
           <a:p>
             <a:fld id="{AF6480D5-27DF-C14F-81D5-C764716120D4}" type="datetimeFigureOut">
               <a:rPr lang="ru-RU" smtClean="0"/>
-              <a:t>17.11.2024</a:t>
+              <a:t>19.11.2025</a:t>
             </a:fld>
             <a:endParaRPr lang="ru-RU"/>
           </a:p>
@@ -402,7 +402,7 @@
           <a:p>
             <a:fld id="{FCFB0163-A91E-EB42-B12D-04EDD0499C0D}" type="datetimeFigureOut">
               <a:rPr lang="ru-RU" smtClean="0"/>
-              <a:t>17.11.2024</a:t>
+              <a:t>19.11.2025</a:t>
             </a:fld>
             <a:endParaRPr lang="ru-RU"/>
           </a:p>
@@ -801,7 +801,7 @@
           <a:p>
             <a:fld id="{C764DE79-268F-4C1A-8933-263129D2AF90}" type="datetimeFigureOut">
               <a:rPr lang="en-US" dirty="0"/>
-              <a:t>11/17/24</a:t>
+              <a:t>11/19/25</a:t>
             </a:fld>
             <a:endParaRPr lang="en-US" dirty="0"/>
           </a:p>
@@ -971,7 +971,7 @@
           <a:p>
             <a:fld id="{89E6D65E-222F-4FAD-BCDE-05C720C90B92}" type="datetimeFigureOut">
               <a:rPr lang="ru-RU" smtClean="0"/>
-              <a:t>17.11.2024</a:t>
+              <a:t>19.11.2025</a:t>
             </a:fld>
             <a:endParaRPr lang="ru-RU"/>
           </a:p>
@@ -1151,7 +1151,7 @@
           <a:p>
             <a:fld id="{89E6D65E-222F-4FAD-BCDE-05C720C90B92}" type="datetimeFigureOut">
               <a:rPr lang="ru-RU" smtClean="0"/>
-              <a:t>17.11.2024</a:t>
+              <a:t>19.11.2025</a:t>
             </a:fld>
             <a:endParaRPr lang="ru-RU"/>
           </a:p>
@@ -1444,7 +1444,7 @@
           <a:p>
             <a:fld id="{89E6D65E-222F-4FAD-BCDE-05C720C90B92}" type="datetimeFigureOut">
               <a:rPr lang="ru-RU" smtClean="0"/>
-              <a:t>17.11.2024</a:t>
+              <a:t>19.11.2025</a:t>
             </a:fld>
             <a:endParaRPr lang="ru-RU"/>
           </a:p>
@@ -1688,7 +1688,7 @@
           <a:p>
             <a:fld id="{89E6D65E-222F-4FAD-BCDE-05C720C90B92}" type="datetimeFigureOut">
               <a:rPr lang="ru-RU" smtClean="0"/>
-              <a:t>17.11.2024</a:t>
+              <a:t>19.11.2025</a:t>
             </a:fld>
             <a:endParaRPr lang="ru-RU"/>
           </a:p>
@@ -1920,7 +1920,7 @@
           <a:p>
             <a:fld id="{89E6D65E-222F-4FAD-BCDE-05C720C90B92}" type="datetimeFigureOut">
               <a:rPr lang="ru-RU" smtClean="0"/>
-              <a:t>17.11.2024</a:t>
+              <a:t>19.11.2025</a:t>
             </a:fld>
             <a:endParaRPr lang="ru-RU"/>
           </a:p>
@@ -2287,7 +2287,7 @@
           <a:p>
             <a:fld id="{89E6D65E-222F-4FAD-BCDE-05C720C90B92}" type="datetimeFigureOut">
               <a:rPr lang="ru-RU" smtClean="0"/>
-              <a:t>17.11.2024</a:t>
+              <a:t>19.11.2025</a:t>
             </a:fld>
             <a:endParaRPr lang="ru-RU"/>
           </a:p>
@@ -2405,7 +2405,7 @@
           <a:p>
             <a:fld id="{89E6D65E-222F-4FAD-BCDE-05C720C90B92}" type="datetimeFigureOut">
               <a:rPr lang="ru-RU" smtClean="0"/>
-              <a:t>17.11.2024</a:t>
+              <a:t>19.11.2025</a:t>
             </a:fld>
             <a:endParaRPr lang="ru-RU"/>
           </a:p>
@@ -2500,7 +2500,7 @@
           <a:p>
             <a:fld id="{89E6D65E-222F-4FAD-BCDE-05C720C90B92}" type="datetimeFigureOut">
               <a:rPr lang="ru-RU" smtClean="0"/>
-              <a:t>17.11.2024</a:t>
+              <a:t>19.11.2025</a:t>
             </a:fld>
             <a:endParaRPr lang="ru-RU"/>
           </a:p>
@@ -2777,7 +2777,7 @@
           <a:p>
             <a:fld id="{89E6D65E-222F-4FAD-BCDE-05C720C90B92}" type="datetimeFigureOut">
               <a:rPr lang="ru-RU" smtClean="0"/>
-              <a:t>17.11.2024</a:t>
+              <a:t>19.11.2025</a:t>
             </a:fld>
             <a:endParaRPr lang="ru-RU"/>
           </a:p>
@@ -3034,7 +3034,7 @@
           <a:p>
             <a:fld id="{89E6D65E-222F-4FAD-BCDE-05C720C90B92}" type="datetimeFigureOut">
               <a:rPr lang="ru-RU" smtClean="0"/>
-              <a:t>17.11.2024</a:t>
+              <a:t>19.11.2025</a:t>
             </a:fld>
             <a:endParaRPr lang="ru-RU"/>
           </a:p>
@@ -3247,7 +3247,7 @@
           <a:p>
             <a:fld id="{89E6D65E-222F-4FAD-BCDE-05C720C90B92}" type="datetimeFigureOut">
               <a:rPr lang="ru-RU" smtClean="0"/>
-              <a:t>17.11.2024</a:t>
+              <a:t>19.11.2025</a:t>
             </a:fld>
             <a:endParaRPr lang="ru-RU"/>
           </a:p>
@@ -3908,8 +3908,23 @@
                 </a:solidFill>
                 <a:latin typeface="Ubuntu Light" panose="020B0304030602030204" pitchFamily="34" charset="0"/>
               </a:rPr>
-              <a:t>2024</a:t>
-            </a:r>
+              <a:t>202</a:t>
+            </a:r>
+            <a:r>
+              <a:rPr lang="en-US" sz="2000" dirty="0">
+                <a:solidFill>
+                  <a:srgbClr val="292929"/>
+                </a:solidFill>
+                <a:latin typeface="Ubuntu Light" panose="020B0304030602030204" pitchFamily="34" charset="0"/>
+              </a:rPr>
+              <a:t>5</a:t>
+            </a:r>
+            <a:endParaRPr lang="ru-RU" sz="2000" dirty="0">
+              <a:solidFill>
+                <a:srgbClr val="292929"/>
+              </a:solidFill>
+              <a:latin typeface="Ubuntu Light" panose="020B0304030602030204" pitchFamily="34" charset="0"/>
+            </a:endParaRPr>
           </a:p>
         </p:txBody>
       </p:sp>
@@ -4238,8 +4253,23 @@
                 </a:solidFill>
                 <a:latin typeface="Ubuntu Light" panose="020B0304030602030204" pitchFamily="34" charset="0"/>
               </a:rPr>
-              <a:t>2024</a:t>
-            </a:r>
+              <a:t>202</a:t>
+            </a:r>
+            <a:r>
+              <a:rPr lang="en-US" sz="2000">
+                <a:solidFill>
+                  <a:srgbClr val="E5E2DE"/>
+                </a:solidFill>
+                <a:latin typeface="Ubuntu Light" panose="020B0304030602030204" pitchFamily="34" charset="0"/>
+              </a:rPr>
+              <a:t>5</a:t>
+            </a:r>
+            <a:endParaRPr lang="ru-RU" sz="2000" dirty="0">
+              <a:solidFill>
+                <a:srgbClr val="E5E2DE"/>
+              </a:solidFill>
+              <a:latin typeface="Ubuntu Light" panose="020B0304030602030204" pitchFamily="34" charset="0"/>
+            </a:endParaRPr>
           </a:p>
         </p:txBody>
       </p:sp>
